--- a/doc/slides/day1/session4/SamFormatAndFiltering.pptx
+++ b/doc/slides/day1/session4/SamFormatAndFiltering.pptx
@@ -1,6 +1,6 @@
 
 <file path=ppt/presentation.xml><?xml version="1.0" encoding="utf-8"?>
-<p:presentation xmlns:a="http://schemas.openxmlformats.org/drawingml/2006/main" xmlns:r="http://schemas.openxmlformats.org/officeDocument/2006/relationships" xmlns:mc="http://schemas.openxmlformats.org/markup-compatibility/2006" xmlns:mv="urn:schemas-microsoft-com:mac:vml" xmlns:p="http://schemas.openxmlformats.org/presentationml/2006/main" mc:Ignorable="mv" mc:PreserveAttributes="mv:*" saveSubsetFonts="1" autoCompressPictures="0">
+<p:presentation xmlns:a="http://schemas.openxmlformats.org/drawingml/2006/main" xmlns:r="http://schemas.openxmlformats.org/officeDocument/2006/relationships" xmlns:p="http://schemas.openxmlformats.org/presentationml/2006/main" saveSubsetFonts="1" autoCompressPictures="0">
   <p:sldMasterIdLst>
     <p:sldMasterId id="2147483648" r:id="rId1"/>
   </p:sldMasterIdLst>
@@ -118,7 +118,7 @@
 </file>
 
 <file path=ppt/notesMasters/notesMaster1.xml><?xml version="1.0" encoding="utf-8"?>
-<p:notesMaster xmlns:a="http://schemas.openxmlformats.org/drawingml/2006/main" xmlns:r="http://schemas.openxmlformats.org/officeDocument/2006/relationships" xmlns:mc="http://schemas.openxmlformats.org/markup-compatibility/2006" xmlns:mv="urn:schemas-microsoft-com:mac:vml" xmlns:p="http://schemas.openxmlformats.org/presentationml/2006/main" mc:Ignorable="mv" mc:PreserveAttributes="mv:*">
+<p:notesMaster xmlns:a="http://schemas.openxmlformats.org/drawingml/2006/main" xmlns:r="http://schemas.openxmlformats.org/officeDocument/2006/relationships" xmlns:p="http://schemas.openxmlformats.org/presentationml/2006/main">
   <p:cSld>
     <p:bg>
       <p:bgRef idx="1001">
@@ -200,7 +200,7 @@
             <a:fld id="{11D2843E-FABA-5647-BE09-469D1564CF94}" type="datetimeFigureOut">
               <a:rPr lang="en-US" smtClean="0"/>
               <a:pPr/>
-              <a:t>9/10/12</a:t>
+              <a:t>10/18/13</a:t>
             </a:fld>
             <a:endParaRPr lang="en-US"/>
           </a:p>
@@ -369,6 +369,11 @@
         </p:txBody>
       </p:sp>
     </p:spTree>
+    <p:extLst>
+      <p:ext uri="{BB962C8B-B14F-4D97-AF65-F5344CB8AC3E}">
+        <p14:creationId xmlns:p14="http://schemas.microsoft.com/office/powerpoint/2010/main" val="4191327461"/>
+      </p:ext>
+    </p:extLst>
   </p:cSld>
   <p:clrMap bg1="lt1" tx1="dk1" bg2="lt2" tx2="dk2" accent1="accent1" accent2="accent2" accent3="accent3" accent4="accent4" accent5="accent5" accent6="accent6" hlink="hlink" folHlink="folHlink"/>
   <p:notesStyle>
@@ -467,7 +472,7 @@
 </file>
 
 <file path=ppt/notesSlides/notesSlide1.xml><?xml version="1.0" encoding="utf-8"?>
-<p:notes xmlns:a="http://schemas.openxmlformats.org/drawingml/2006/main" xmlns:r="http://schemas.openxmlformats.org/officeDocument/2006/relationships" xmlns:mc="http://schemas.openxmlformats.org/markup-compatibility/2006" xmlns:mv="urn:schemas-microsoft-com:mac:vml" xmlns:p="http://schemas.openxmlformats.org/presentationml/2006/main" mc:Ignorable="mv" mc:PreserveAttributes="mv:*">
+<p:notes xmlns:a="http://schemas.openxmlformats.org/drawingml/2006/main" xmlns:r="http://schemas.openxmlformats.org/officeDocument/2006/relationships" xmlns:p="http://schemas.openxmlformats.org/presentationml/2006/main">
   <p:cSld>
     <p:spTree>
       <p:nvGrpSpPr>
@@ -561,7 +566,7 @@
 </file>
 
 <file path=ppt/slideLayouts/slideLayout1.xml><?xml version="1.0" encoding="utf-8"?>
-<p:sldLayout xmlns:a="http://schemas.openxmlformats.org/drawingml/2006/main" xmlns:r="http://schemas.openxmlformats.org/officeDocument/2006/relationships" xmlns:mc="http://schemas.openxmlformats.org/markup-compatibility/2006" xmlns:mv="urn:schemas-microsoft-com:mac:vml" xmlns:p="http://schemas.openxmlformats.org/presentationml/2006/main" mc:Ignorable="mv" mc:PreserveAttributes="mv:*" type="title" preserve="1">
+<p:sldLayout xmlns:a="http://schemas.openxmlformats.org/drawingml/2006/main" xmlns:r="http://schemas.openxmlformats.org/officeDocument/2006/relationships" xmlns:p="http://schemas.openxmlformats.org/presentationml/2006/main" type="title" preserve="1">
   <p:cSld name="Title Slide">
     <p:spTree>
       <p:nvGrpSpPr>
@@ -742,7 +747,7 @@
             <a:fld id="{92EB5B03-E054-B54F-97A5-9471F82931B5}" type="datetimeFigureOut">
               <a:rPr lang="en-US" smtClean="0"/>
               <a:pPr/>
-              <a:t>9/10/12</a:t>
+              <a:t>10/18/13</a:t>
             </a:fld>
             <a:endParaRPr lang="en-US"/>
           </a:p>
@@ -800,7 +805,7 @@
 </file>
 
 <file path=ppt/slideLayouts/slideLayout10.xml><?xml version="1.0" encoding="utf-8"?>
-<p:sldLayout xmlns:a="http://schemas.openxmlformats.org/drawingml/2006/main" xmlns:r="http://schemas.openxmlformats.org/officeDocument/2006/relationships" xmlns:mc="http://schemas.openxmlformats.org/markup-compatibility/2006" xmlns:mv="urn:schemas-microsoft-com:mac:vml" xmlns:p="http://schemas.openxmlformats.org/presentationml/2006/main" mc:Ignorable="mv" mc:PreserveAttributes="mv:*" type="vertTx" preserve="1">
+<p:sldLayout xmlns:a="http://schemas.openxmlformats.org/drawingml/2006/main" xmlns:r="http://schemas.openxmlformats.org/officeDocument/2006/relationships" xmlns:p="http://schemas.openxmlformats.org/presentationml/2006/main" type="vertTx" preserve="1">
   <p:cSld name="Title and Vertical Text">
     <p:spTree>
       <p:nvGrpSpPr>
@@ -909,7 +914,7 @@
             <a:fld id="{92EB5B03-E054-B54F-97A5-9471F82931B5}" type="datetimeFigureOut">
               <a:rPr lang="en-US" smtClean="0"/>
               <a:pPr/>
-              <a:t>9/10/12</a:t>
+              <a:t>10/18/13</a:t>
             </a:fld>
             <a:endParaRPr lang="en-US"/>
           </a:p>
@@ -967,7 +972,7 @@
 </file>
 
 <file path=ppt/slideLayouts/slideLayout11.xml><?xml version="1.0" encoding="utf-8"?>
-<p:sldLayout xmlns:a="http://schemas.openxmlformats.org/drawingml/2006/main" xmlns:r="http://schemas.openxmlformats.org/officeDocument/2006/relationships" xmlns:mc="http://schemas.openxmlformats.org/markup-compatibility/2006" xmlns:mv="urn:schemas-microsoft-com:mac:vml" xmlns:p="http://schemas.openxmlformats.org/presentationml/2006/main" mc:Ignorable="mv" mc:PreserveAttributes="mv:*" type="vertTitleAndTx" preserve="1">
+<p:sldLayout xmlns:a="http://schemas.openxmlformats.org/drawingml/2006/main" xmlns:r="http://schemas.openxmlformats.org/officeDocument/2006/relationships" xmlns:p="http://schemas.openxmlformats.org/presentationml/2006/main" type="vertTitleAndTx" preserve="1">
   <p:cSld name="Vertical Title and Text">
     <p:spTree>
       <p:nvGrpSpPr>
@@ -1086,7 +1091,7 @@
             <a:fld id="{92EB5B03-E054-B54F-97A5-9471F82931B5}" type="datetimeFigureOut">
               <a:rPr lang="en-US" smtClean="0"/>
               <a:pPr/>
-              <a:t>9/10/12</a:t>
+              <a:t>10/18/13</a:t>
             </a:fld>
             <a:endParaRPr lang="en-US"/>
           </a:p>
@@ -1144,7 +1149,7 @@
 </file>
 
 <file path=ppt/slideLayouts/slideLayout2.xml><?xml version="1.0" encoding="utf-8"?>
-<p:sldLayout xmlns:a="http://schemas.openxmlformats.org/drawingml/2006/main" xmlns:r="http://schemas.openxmlformats.org/officeDocument/2006/relationships" xmlns:mc="http://schemas.openxmlformats.org/markup-compatibility/2006" xmlns:mv="urn:schemas-microsoft-com:mac:vml" xmlns:p="http://schemas.openxmlformats.org/presentationml/2006/main" mc:Ignorable="mv" mc:PreserveAttributes="mv:*" type="obj" preserve="1">
+<p:sldLayout xmlns:a="http://schemas.openxmlformats.org/drawingml/2006/main" xmlns:r="http://schemas.openxmlformats.org/officeDocument/2006/relationships" xmlns:p="http://schemas.openxmlformats.org/presentationml/2006/main" type="obj" preserve="1">
   <p:cSld name="Title and Content">
     <p:spTree>
       <p:nvGrpSpPr>
@@ -1253,7 +1258,7 @@
             <a:fld id="{92EB5B03-E054-B54F-97A5-9471F82931B5}" type="datetimeFigureOut">
               <a:rPr lang="en-US" smtClean="0"/>
               <a:pPr/>
-              <a:t>9/10/12</a:t>
+              <a:t>10/18/13</a:t>
             </a:fld>
             <a:endParaRPr lang="en-US"/>
           </a:p>
@@ -1311,7 +1316,7 @@
 </file>
 
 <file path=ppt/slideLayouts/slideLayout3.xml><?xml version="1.0" encoding="utf-8"?>
-<p:sldLayout xmlns:a="http://schemas.openxmlformats.org/drawingml/2006/main" xmlns:r="http://schemas.openxmlformats.org/officeDocument/2006/relationships" xmlns:mc="http://schemas.openxmlformats.org/markup-compatibility/2006" xmlns:mv="urn:schemas-microsoft-com:mac:vml" xmlns:p="http://schemas.openxmlformats.org/presentationml/2006/main" mc:Ignorable="mv" mc:PreserveAttributes="mv:*" type="secHead" preserve="1">
+<p:sldLayout xmlns:a="http://schemas.openxmlformats.org/drawingml/2006/main" xmlns:r="http://schemas.openxmlformats.org/officeDocument/2006/relationships" xmlns:p="http://schemas.openxmlformats.org/presentationml/2006/main" type="secHead" preserve="1">
   <p:cSld name="Section Header">
     <p:spTree>
       <p:nvGrpSpPr>
@@ -1496,7 +1501,7 @@
             <a:fld id="{92EB5B03-E054-B54F-97A5-9471F82931B5}" type="datetimeFigureOut">
               <a:rPr lang="en-US" smtClean="0"/>
               <a:pPr/>
-              <a:t>9/10/12</a:t>
+              <a:t>10/18/13</a:t>
             </a:fld>
             <a:endParaRPr lang="en-US"/>
           </a:p>
@@ -1554,7 +1559,7 @@
 </file>
 
 <file path=ppt/slideLayouts/slideLayout4.xml><?xml version="1.0" encoding="utf-8"?>
-<p:sldLayout xmlns:a="http://schemas.openxmlformats.org/drawingml/2006/main" xmlns:r="http://schemas.openxmlformats.org/officeDocument/2006/relationships" xmlns:mc="http://schemas.openxmlformats.org/markup-compatibility/2006" xmlns:mv="urn:schemas-microsoft-com:mac:vml" xmlns:p="http://schemas.openxmlformats.org/presentationml/2006/main" mc:Ignorable="mv" mc:PreserveAttributes="mv:*" type="twoObj" preserve="1">
+<p:sldLayout xmlns:a="http://schemas.openxmlformats.org/drawingml/2006/main" xmlns:r="http://schemas.openxmlformats.org/officeDocument/2006/relationships" xmlns:p="http://schemas.openxmlformats.org/presentationml/2006/main" type="twoObj" preserve="1">
   <p:cSld name="Two Content">
     <p:spTree>
       <p:nvGrpSpPr>
@@ -1781,7 +1786,7 @@
             <a:fld id="{92EB5B03-E054-B54F-97A5-9471F82931B5}" type="datetimeFigureOut">
               <a:rPr lang="en-US" smtClean="0"/>
               <a:pPr/>
-              <a:t>9/10/12</a:t>
+              <a:t>10/18/13</a:t>
             </a:fld>
             <a:endParaRPr lang="en-US"/>
           </a:p>
@@ -1839,7 +1844,7 @@
 </file>
 
 <file path=ppt/slideLayouts/slideLayout5.xml><?xml version="1.0" encoding="utf-8"?>
-<p:sldLayout xmlns:a="http://schemas.openxmlformats.org/drawingml/2006/main" xmlns:r="http://schemas.openxmlformats.org/officeDocument/2006/relationships" xmlns:mc="http://schemas.openxmlformats.org/markup-compatibility/2006" xmlns:mv="urn:schemas-microsoft-com:mac:vml" xmlns:p="http://schemas.openxmlformats.org/presentationml/2006/main" mc:Ignorable="mv" mc:PreserveAttributes="mv:*" type="twoTxTwoObj" preserve="1">
+<p:sldLayout xmlns:a="http://schemas.openxmlformats.org/drawingml/2006/main" xmlns:r="http://schemas.openxmlformats.org/officeDocument/2006/relationships" xmlns:p="http://schemas.openxmlformats.org/presentationml/2006/main" type="twoTxTwoObj" preserve="1">
   <p:cSld name="Comparison">
     <p:spTree>
       <p:nvGrpSpPr>
@@ -2200,7 +2205,7 @@
             <a:fld id="{92EB5B03-E054-B54F-97A5-9471F82931B5}" type="datetimeFigureOut">
               <a:rPr lang="en-US" smtClean="0"/>
               <a:pPr/>
-              <a:t>9/10/12</a:t>
+              <a:t>10/18/13</a:t>
             </a:fld>
             <a:endParaRPr lang="en-US"/>
           </a:p>
@@ -2258,7 +2263,7 @@
 </file>
 
 <file path=ppt/slideLayouts/slideLayout6.xml><?xml version="1.0" encoding="utf-8"?>
-<p:sldLayout xmlns:a="http://schemas.openxmlformats.org/drawingml/2006/main" xmlns:r="http://schemas.openxmlformats.org/officeDocument/2006/relationships" xmlns:mc="http://schemas.openxmlformats.org/markup-compatibility/2006" xmlns:mv="urn:schemas-microsoft-com:mac:vml" xmlns:p="http://schemas.openxmlformats.org/presentationml/2006/main" mc:Ignorable="mv" mc:PreserveAttributes="mv:*" type="titleOnly" preserve="1">
+<p:sldLayout xmlns:a="http://schemas.openxmlformats.org/drawingml/2006/main" xmlns:r="http://schemas.openxmlformats.org/officeDocument/2006/relationships" xmlns:p="http://schemas.openxmlformats.org/presentationml/2006/main" type="titleOnly" preserve="1">
   <p:cSld name="Title Only">
     <p:spTree>
       <p:nvGrpSpPr>
@@ -2315,7 +2320,7 @@
             <a:fld id="{92EB5B03-E054-B54F-97A5-9471F82931B5}" type="datetimeFigureOut">
               <a:rPr lang="en-US" smtClean="0"/>
               <a:pPr/>
-              <a:t>9/10/12</a:t>
+              <a:t>10/18/13</a:t>
             </a:fld>
             <a:endParaRPr lang="en-US"/>
           </a:p>
@@ -2373,7 +2378,7 @@
 </file>
 
 <file path=ppt/slideLayouts/slideLayout7.xml><?xml version="1.0" encoding="utf-8"?>
-<p:sldLayout xmlns:a="http://schemas.openxmlformats.org/drawingml/2006/main" xmlns:r="http://schemas.openxmlformats.org/officeDocument/2006/relationships" xmlns:mc="http://schemas.openxmlformats.org/markup-compatibility/2006" xmlns:mv="urn:schemas-microsoft-com:mac:vml" xmlns:p="http://schemas.openxmlformats.org/presentationml/2006/main" mc:Ignorable="mv" mc:PreserveAttributes="mv:*" type="blank" preserve="1">
+<p:sldLayout xmlns:a="http://schemas.openxmlformats.org/drawingml/2006/main" xmlns:r="http://schemas.openxmlformats.org/officeDocument/2006/relationships" xmlns:p="http://schemas.openxmlformats.org/presentationml/2006/main" type="blank" preserve="1">
   <p:cSld name="Blank">
     <p:spTree>
       <p:nvGrpSpPr>
@@ -2407,7 +2412,7 @@
             <a:fld id="{92EB5B03-E054-B54F-97A5-9471F82931B5}" type="datetimeFigureOut">
               <a:rPr lang="en-US" smtClean="0"/>
               <a:pPr/>
-              <a:t>9/10/12</a:t>
+              <a:t>10/18/13</a:t>
             </a:fld>
             <a:endParaRPr lang="en-US"/>
           </a:p>
@@ -2465,7 +2470,7 @@
 </file>
 
 <file path=ppt/slideLayouts/slideLayout8.xml><?xml version="1.0" encoding="utf-8"?>
-<p:sldLayout xmlns:a="http://schemas.openxmlformats.org/drawingml/2006/main" xmlns:r="http://schemas.openxmlformats.org/officeDocument/2006/relationships" xmlns:mc="http://schemas.openxmlformats.org/markup-compatibility/2006" xmlns:mv="urn:schemas-microsoft-com:mac:vml" xmlns:p="http://schemas.openxmlformats.org/presentationml/2006/main" mc:Ignorable="mv" mc:PreserveAttributes="mv:*" type="objTx" preserve="1">
+<p:sldLayout xmlns:a="http://schemas.openxmlformats.org/drawingml/2006/main" xmlns:r="http://schemas.openxmlformats.org/officeDocument/2006/relationships" xmlns:p="http://schemas.openxmlformats.org/presentationml/2006/main" type="objTx" preserve="1">
   <p:cSld name="Content with Caption">
     <p:spTree>
       <p:nvGrpSpPr>
@@ -2681,7 +2686,7 @@
             <a:fld id="{92EB5B03-E054-B54F-97A5-9471F82931B5}" type="datetimeFigureOut">
               <a:rPr lang="en-US" smtClean="0"/>
               <a:pPr/>
-              <a:t>9/10/12</a:t>
+              <a:t>10/18/13</a:t>
             </a:fld>
             <a:endParaRPr lang="en-US"/>
           </a:p>
@@ -2739,7 +2744,7 @@
 </file>
 
 <file path=ppt/slideLayouts/slideLayout9.xml><?xml version="1.0" encoding="utf-8"?>
-<p:sldLayout xmlns:a="http://schemas.openxmlformats.org/drawingml/2006/main" xmlns:r="http://schemas.openxmlformats.org/officeDocument/2006/relationships" xmlns:mc="http://schemas.openxmlformats.org/markup-compatibility/2006" xmlns:mv="urn:schemas-microsoft-com:mac:vml" xmlns:p="http://schemas.openxmlformats.org/presentationml/2006/main" mc:Ignorable="mv" mc:PreserveAttributes="mv:*" type="picTx" preserve="1">
+<p:sldLayout xmlns:a="http://schemas.openxmlformats.org/drawingml/2006/main" xmlns:r="http://schemas.openxmlformats.org/officeDocument/2006/relationships" xmlns:p="http://schemas.openxmlformats.org/presentationml/2006/main" type="picTx" preserve="1">
   <p:cSld name="Picture with Caption">
     <p:spTree>
       <p:nvGrpSpPr>
@@ -2931,7 +2936,7 @@
             <a:fld id="{92EB5B03-E054-B54F-97A5-9471F82931B5}" type="datetimeFigureOut">
               <a:rPr lang="en-US" smtClean="0"/>
               <a:pPr/>
-              <a:t>9/10/12</a:t>
+              <a:t>10/18/13</a:t>
             </a:fld>
             <a:endParaRPr lang="en-US"/>
           </a:p>
@@ -2989,7 +2994,7 @@
 </file>
 
 <file path=ppt/slideMasters/slideMaster1.xml><?xml version="1.0" encoding="utf-8"?>
-<p:sldMaster xmlns:a="http://schemas.openxmlformats.org/drawingml/2006/main" xmlns:r="http://schemas.openxmlformats.org/officeDocument/2006/relationships" xmlns:mc="http://schemas.openxmlformats.org/markup-compatibility/2006" xmlns:mv="urn:schemas-microsoft-com:mac:vml" xmlns:p="http://schemas.openxmlformats.org/presentationml/2006/main" mc:Ignorable="mv" mc:PreserveAttributes="mv:*">
+<p:sldMaster xmlns:a="http://schemas.openxmlformats.org/drawingml/2006/main" xmlns:r="http://schemas.openxmlformats.org/officeDocument/2006/relationships" xmlns:p="http://schemas.openxmlformats.org/presentationml/2006/main">
   <p:cSld>
     <p:bg>
       <p:bgRef idx="1001">
@@ -3141,7 +3146,7 @@
             <a:fld id="{92EB5B03-E054-B54F-97A5-9471F82931B5}" type="datetimeFigureOut">
               <a:rPr lang="en-US" smtClean="0"/>
               <a:pPr/>
-              <a:t>9/10/12</a:t>
+              <a:t>10/18/13</a:t>
             </a:fld>
             <a:endParaRPr lang="en-US"/>
           </a:p>
@@ -3496,7 +3501,7 @@
 </file>
 
 <file path=ppt/slides/slide1.xml><?xml version="1.0" encoding="utf-8"?>
-<p:sld xmlns:a="http://schemas.openxmlformats.org/drawingml/2006/main" xmlns:r="http://schemas.openxmlformats.org/officeDocument/2006/relationships" xmlns:mc="http://schemas.openxmlformats.org/markup-compatibility/2006" xmlns:mv="urn:schemas-microsoft-com:mac:vml" xmlns:p="http://schemas.openxmlformats.org/presentationml/2006/main" mc:Ignorable="mv" mc:PreserveAttributes="mv:*">
+<p:sld xmlns:a="http://schemas.openxmlformats.org/drawingml/2006/main" xmlns:r="http://schemas.openxmlformats.org/officeDocument/2006/relationships" xmlns:p="http://schemas.openxmlformats.org/presentationml/2006/main">
   <p:cSld>
     <p:spTree>
       <p:nvGrpSpPr>
@@ -3535,29 +3540,6 @@
           </a:p>
         </p:txBody>
       </p:sp>
-      <p:sp>
-        <p:nvSpPr>
-          <p:cNvPr id="3" name="Subtitle 2"/>
-          <p:cNvSpPr>
-            <a:spLocks noGrp="1"/>
-          </p:cNvSpPr>
-          <p:nvPr>
-            <p:ph type="subTitle" idx="1"/>
-          </p:nvPr>
-        </p:nvSpPr>
-        <p:spPr/>
-        <p:txBody>
-          <a:bodyPr/>
-          <a:lstStyle/>
-          <a:p>
-            <a:r>
-              <a:rPr lang="en-US" dirty="0" smtClean="0"/>
-              <a:t>12 September 2012, 10.00-10.30</a:t>
-            </a:r>
-            <a:endParaRPr lang="en-US" dirty="0"/>
-          </a:p>
-        </p:txBody>
-      </p:sp>
     </p:spTree>
   </p:cSld>
   <p:clrMapOvr>
@@ -3567,7 +3549,7 @@
 </file>
 
 <file path=ppt/slides/slide2.xml><?xml version="1.0" encoding="utf-8"?>
-<p:sld xmlns:a="http://schemas.openxmlformats.org/drawingml/2006/main" xmlns:r="http://schemas.openxmlformats.org/officeDocument/2006/relationships" xmlns:mc="http://schemas.openxmlformats.org/markup-compatibility/2006" xmlns:mv="urn:schemas-microsoft-com:mac:vml" xmlns:p="http://schemas.openxmlformats.org/presentationml/2006/main" mc:Ignorable="mv" mc:PreserveAttributes="mv:*">
+<p:sld xmlns:a="http://schemas.openxmlformats.org/drawingml/2006/main" xmlns:r="http://schemas.openxmlformats.org/officeDocument/2006/relationships" xmlns:p="http://schemas.openxmlformats.org/presentationml/2006/main">
   <p:cSld>
     <p:spTree>
       <p:nvGrpSpPr>
@@ -3663,7 +3645,7 @@
 </file>
 
 <file path=ppt/slides/slide3.xml><?xml version="1.0" encoding="utf-8"?>
-<p:sld xmlns:a="http://schemas.openxmlformats.org/drawingml/2006/main" xmlns:r="http://schemas.openxmlformats.org/officeDocument/2006/relationships" xmlns:mc="http://schemas.openxmlformats.org/markup-compatibility/2006" xmlns:mv="urn:schemas-microsoft-com:mac:vml" xmlns:p="http://schemas.openxmlformats.org/presentationml/2006/main" mc:Ignorable="mv" mc:PreserveAttributes="mv:*">
+<p:sld xmlns:a="http://schemas.openxmlformats.org/drawingml/2006/main" xmlns:r="http://schemas.openxmlformats.org/officeDocument/2006/relationships" xmlns:p="http://schemas.openxmlformats.org/presentationml/2006/main">
   <p:cSld>
     <p:spTree>
       <p:nvGrpSpPr>
@@ -3819,7 +3801,7 @@
 </file>
 
 <file path=ppt/slides/slide4.xml><?xml version="1.0" encoding="utf-8"?>
-<p:sld xmlns:a="http://schemas.openxmlformats.org/drawingml/2006/main" xmlns:r="http://schemas.openxmlformats.org/officeDocument/2006/relationships" xmlns:mc="http://schemas.openxmlformats.org/markup-compatibility/2006" xmlns:mv="urn:schemas-microsoft-com:mac:vml" xmlns:p="http://schemas.openxmlformats.org/presentationml/2006/main" mc:Ignorable="mv" mc:PreserveAttributes="mv:*">
+<p:sld xmlns:a="http://schemas.openxmlformats.org/drawingml/2006/main" xmlns:r="http://schemas.openxmlformats.org/officeDocument/2006/relationships" xmlns:p="http://schemas.openxmlformats.org/presentationml/2006/main">
   <p:cSld>
     <p:spTree>
       <p:nvGrpSpPr>
@@ -3946,7 +3928,7 @@
 </file>
 
 <file path=ppt/slides/slide5.xml><?xml version="1.0" encoding="utf-8"?>
-<p:sld xmlns:a="http://schemas.openxmlformats.org/drawingml/2006/main" xmlns:r="http://schemas.openxmlformats.org/officeDocument/2006/relationships" xmlns:mc="http://schemas.openxmlformats.org/markup-compatibility/2006" xmlns:mv="urn:schemas-microsoft-com:mac:vml" xmlns:p="http://schemas.openxmlformats.org/presentationml/2006/main" mc:Ignorable="mv" mc:PreserveAttributes="mv:*">
+<p:sld xmlns:a="http://schemas.openxmlformats.org/drawingml/2006/main" xmlns:r="http://schemas.openxmlformats.org/officeDocument/2006/relationships" xmlns:p="http://schemas.openxmlformats.org/presentationml/2006/main">
   <p:cSld>
     <p:spTree>
       <p:nvGrpSpPr>
@@ -4133,7 +4115,7 @@
 </file>
 
 <file path=ppt/slides/slide6.xml><?xml version="1.0" encoding="utf-8"?>
-<p:sld xmlns:a="http://schemas.openxmlformats.org/drawingml/2006/main" xmlns:r="http://schemas.openxmlformats.org/officeDocument/2006/relationships" xmlns:mc="http://schemas.openxmlformats.org/markup-compatibility/2006" xmlns:mv="urn:schemas-microsoft-com:mac:vml" xmlns:p="http://schemas.openxmlformats.org/presentationml/2006/main" mc:Ignorable="mv" mc:PreserveAttributes="mv:*">
+<p:sld xmlns:a="http://schemas.openxmlformats.org/drawingml/2006/main" xmlns:r="http://schemas.openxmlformats.org/officeDocument/2006/relationships" xmlns:p="http://schemas.openxmlformats.org/presentationml/2006/main">
   <p:cSld>
     <p:spTree>
       <p:nvGrpSpPr>
@@ -4297,7 +4279,7 @@
 </file>
 
 <file path=ppt/slides/slide7.xml><?xml version="1.0" encoding="utf-8"?>
-<p:sld xmlns:a="http://schemas.openxmlformats.org/drawingml/2006/main" xmlns:r="http://schemas.openxmlformats.org/officeDocument/2006/relationships" xmlns:mc="http://schemas.openxmlformats.org/markup-compatibility/2006" xmlns:mv="urn:schemas-microsoft-com:mac:vml" xmlns:p="http://schemas.openxmlformats.org/presentationml/2006/main" mc:Ignorable="mv" mc:PreserveAttributes="mv:*">
+<p:sld xmlns:a="http://schemas.openxmlformats.org/drawingml/2006/main" xmlns:r="http://schemas.openxmlformats.org/officeDocument/2006/relationships" xmlns:p="http://schemas.openxmlformats.org/presentationml/2006/main">
   <p:cSld>
     <p:spTree>
       <p:nvGrpSpPr>
@@ -4430,7 +4412,7 @@
 </file>
 
 <file path=ppt/slides/slide8.xml><?xml version="1.0" encoding="utf-8"?>
-<p:sld xmlns:a="http://schemas.openxmlformats.org/drawingml/2006/main" xmlns:r="http://schemas.openxmlformats.org/officeDocument/2006/relationships" xmlns:mc="http://schemas.openxmlformats.org/markup-compatibility/2006" xmlns:mv="urn:schemas-microsoft-com:mac:vml" xmlns:p="http://schemas.openxmlformats.org/presentationml/2006/main" mc:Ignorable="mv" mc:PreserveAttributes="mv:*">
+<p:sld xmlns:a="http://schemas.openxmlformats.org/drawingml/2006/main" xmlns:r="http://schemas.openxmlformats.org/officeDocument/2006/relationships" xmlns:p="http://schemas.openxmlformats.org/presentationml/2006/main">
   <p:cSld>
     <p:spTree>
       <p:nvGrpSpPr>
@@ -4545,11 +4527,7 @@
             </a:r>
             <a:r>
               <a:rPr lang="en-US" dirty="0" err="1" smtClean="0"/>
-              <a:t>src/</a:t>
-            </a:r>
-            <a:r>
-              <a:rPr lang="en-US" dirty="0" err="1" smtClean="0"/>
-              <a:t>Plasmodium.sh</a:t>
+              <a:t>src/Plasmodium.sh</a:t>
             </a:r>
             <a:endParaRPr lang="en-US" dirty="0" smtClean="0"/>
           </a:p>

--- a/doc/slides/day1/session4/SamFormatAndFiltering.pptx
+++ b/doc/slides/day1/session4/SamFormatAndFiltering.pptx
@@ -200,7 +200,7 @@
             <a:fld id="{11D2843E-FABA-5647-BE09-469D1564CF94}" type="datetimeFigureOut">
               <a:rPr lang="en-US" smtClean="0"/>
               <a:pPr/>
-              <a:t>10/18/13</a:t>
+              <a:t>10/21/13</a:t>
             </a:fld>
             <a:endParaRPr lang="en-US"/>
           </a:p>
@@ -747,7 +747,7 @@
             <a:fld id="{92EB5B03-E054-B54F-97A5-9471F82931B5}" type="datetimeFigureOut">
               <a:rPr lang="en-US" smtClean="0"/>
               <a:pPr/>
-              <a:t>10/18/13</a:t>
+              <a:t>10/21/13</a:t>
             </a:fld>
             <a:endParaRPr lang="en-US"/>
           </a:p>
@@ -914,7 +914,7 @@
             <a:fld id="{92EB5B03-E054-B54F-97A5-9471F82931B5}" type="datetimeFigureOut">
               <a:rPr lang="en-US" smtClean="0"/>
               <a:pPr/>
-              <a:t>10/18/13</a:t>
+              <a:t>10/21/13</a:t>
             </a:fld>
             <a:endParaRPr lang="en-US"/>
           </a:p>
@@ -1091,7 +1091,7 @@
             <a:fld id="{92EB5B03-E054-B54F-97A5-9471F82931B5}" type="datetimeFigureOut">
               <a:rPr lang="en-US" smtClean="0"/>
               <a:pPr/>
-              <a:t>10/18/13</a:t>
+              <a:t>10/21/13</a:t>
             </a:fld>
             <a:endParaRPr lang="en-US"/>
           </a:p>
@@ -1258,7 +1258,7 @@
             <a:fld id="{92EB5B03-E054-B54F-97A5-9471F82931B5}" type="datetimeFigureOut">
               <a:rPr lang="en-US" smtClean="0"/>
               <a:pPr/>
-              <a:t>10/18/13</a:t>
+              <a:t>10/21/13</a:t>
             </a:fld>
             <a:endParaRPr lang="en-US"/>
           </a:p>
@@ -1501,7 +1501,7 @@
             <a:fld id="{92EB5B03-E054-B54F-97A5-9471F82931B5}" type="datetimeFigureOut">
               <a:rPr lang="en-US" smtClean="0"/>
               <a:pPr/>
-              <a:t>10/18/13</a:t>
+              <a:t>10/21/13</a:t>
             </a:fld>
             <a:endParaRPr lang="en-US"/>
           </a:p>
@@ -1786,7 +1786,7 @@
             <a:fld id="{92EB5B03-E054-B54F-97A5-9471F82931B5}" type="datetimeFigureOut">
               <a:rPr lang="en-US" smtClean="0"/>
               <a:pPr/>
-              <a:t>10/18/13</a:t>
+              <a:t>10/21/13</a:t>
             </a:fld>
             <a:endParaRPr lang="en-US"/>
           </a:p>
@@ -2205,7 +2205,7 @@
             <a:fld id="{92EB5B03-E054-B54F-97A5-9471F82931B5}" type="datetimeFigureOut">
               <a:rPr lang="en-US" smtClean="0"/>
               <a:pPr/>
-              <a:t>10/18/13</a:t>
+              <a:t>10/21/13</a:t>
             </a:fld>
             <a:endParaRPr lang="en-US"/>
           </a:p>
@@ -2320,7 +2320,7 @@
             <a:fld id="{92EB5B03-E054-B54F-97A5-9471F82931B5}" type="datetimeFigureOut">
               <a:rPr lang="en-US" smtClean="0"/>
               <a:pPr/>
-              <a:t>10/18/13</a:t>
+              <a:t>10/21/13</a:t>
             </a:fld>
             <a:endParaRPr lang="en-US"/>
           </a:p>
@@ -2412,7 +2412,7 @@
             <a:fld id="{92EB5B03-E054-B54F-97A5-9471F82931B5}" type="datetimeFigureOut">
               <a:rPr lang="en-US" smtClean="0"/>
               <a:pPr/>
-              <a:t>10/18/13</a:t>
+              <a:t>10/21/13</a:t>
             </a:fld>
             <a:endParaRPr lang="en-US"/>
           </a:p>
@@ -2686,7 +2686,7 @@
             <a:fld id="{92EB5B03-E054-B54F-97A5-9471F82931B5}" type="datetimeFigureOut">
               <a:rPr lang="en-US" smtClean="0"/>
               <a:pPr/>
-              <a:t>10/18/13</a:t>
+              <a:t>10/21/13</a:t>
             </a:fld>
             <a:endParaRPr lang="en-US"/>
           </a:p>
@@ -2936,7 +2936,7 @@
             <a:fld id="{92EB5B03-E054-B54F-97A5-9471F82931B5}" type="datetimeFigureOut">
               <a:rPr lang="en-US" smtClean="0"/>
               <a:pPr/>
-              <a:t>10/18/13</a:t>
+              <a:t>10/21/13</a:t>
             </a:fld>
             <a:endParaRPr lang="en-US"/>
           </a:p>
@@ -3146,7 +3146,7 @@
             <a:fld id="{92EB5B03-E054-B54F-97A5-9471F82931B5}" type="datetimeFigureOut">
               <a:rPr lang="en-US" smtClean="0"/>
               <a:pPr/>
-              <a:t>10/18/13</a:t>
+              <a:t>10/21/13</a:t>
             </a:fld>
             <a:endParaRPr lang="en-US"/>
           </a:p>
@@ -4521,14 +4521,6 @@
               <a:buFont typeface="Wingdings" charset="2"/>
               <a:buChar char="Ø"/>
             </a:pPr>
-            <a:r>
-              <a:rPr lang="en-US" dirty="0" smtClean="0"/>
-              <a:t>edit/run </a:t>
-            </a:r>
-            <a:r>
-              <a:rPr lang="en-US" dirty="0" err="1" smtClean="0"/>
-              <a:t>src/Plasmodium.sh</a:t>
-            </a:r>
             <a:endParaRPr lang="en-US" dirty="0" smtClean="0"/>
           </a:p>
           <a:p>
@@ -4542,13 +4534,8 @@
             </a:r>
             <a:r>
               <a:rPr lang="en-US" dirty="0" smtClean="0"/>
-              <a:t> </a:t>
-            </a:r>
-            <a:r>
-              <a:rPr lang="en-US" smtClean="0"/>
-              <a:t>checkout master</a:t>
-            </a:r>
-            <a:endParaRPr lang="en-US" dirty="0" smtClean="0"/>
+              <a:t> checkout master</a:t>
+            </a:r>
           </a:p>
         </p:txBody>
       </p:sp>
